--- a/Tableau Test PPT.pptx
+++ b/Tableau Test PPT.pptx
@@ -124,7 +124,7 @@
   <pc:docChgLst>
     <pc:chgData name="Akshaya Shridhar" userId="28528a2afc9d9faa" providerId="LiveId" clId="{B41F61F4-83BE-4142-90F1-5E9D26A4FC0D}"/>
     <pc:docChg chg="undo custSel modSld">
-      <pc:chgData name="Akshaya Shridhar" userId="28528a2afc9d9faa" providerId="LiveId" clId="{B41F61F4-83BE-4142-90F1-5E9D26A4FC0D}" dt="2021-05-24T06:50:10.071" v="417" actId="5793"/>
+      <pc:chgData name="Akshaya Shridhar" userId="28528a2afc9d9faa" providerId="LiveId" clId="{B41F61F4-83BE-4142-90F1-5E9D26A4FC0D}" dt="2021-05-24T12:26:04.442" v="423" actId="14100"/>
       <pc:docMkLst>
         <pc:docMk/>
       </pc:docMkLst>
@@ -144,7 +144,7 @@
         </pc:spChg>
       </pc:sldChg>
       <pc:sldChg chg="addSp delSp modSp mod">
-        <pc:chgData name="Akshaya Shridhar" userId="28528a2afc9d9faa" providerId="LiveId" clId="{B41F61F4-83BE-4142-90F1-5E9D26A4FC0D}" dt="2021-05-24T06:37:58.989" v="22" actId="14100"/>
+        <pc:chgData name="Akshaya Shridhar" userId="28528a2afc9d9faa" providerId="LiveId" clId="{B41F61F4-83BE-4142-90F1-5E9D26A4FC0D}" dt="2021-05-24T12:26:04.442" v="423" actId="14100"/>
         <pc:sldMkLst>
           <pc:docMk/>
           <pc:sldMk cId="1732367581" sldId="269"/>
@@ -174,7 +174,15 @@
           </ac:spMkLst>
         </pc:spChg>
         <pc:picChg chg="add mod">
-          <ac:chgData name="Akshaya Shridhar" userId="28528a2afc9d9faa" providerId="LiveId" clId="{B41F61F4-83BE-4142-90F1-5E9D26A4FC0D}" dt="2021-05-24T06:37:58.989" v="22" actId="14100"/>
+          <ac:chgData name="Akshaya Shridhar" userId="28528a2afc9d9faa" providerId="LiveId" clId="{B41F61F4-83BE-4142-90F1-5E9D26A4FC0D}" dt="2021-05-24T12:26:04.442" v="423" actId="14100"/>
+          <ac:picMkLst>
+            <pc:docMk/>
+            <pc:sldMk cId="1732367581" sldId="269"/>
+            <ac:picMk id="3" creationId="{48CB113C-0D00-4AD4-A64A-DA6ED603B18E}"/>
+          </ac:picMkLst>
+        </pc:picChg>
+        <pc:picChg chg="add del mod">
+          <ac:chgData name="Akshaya Shridhar" userId="28528a2afc9d9faa" providerId="LiveId" clId="{B41F61F4-83BE-4142-90F1-5E9D26A4FC0D}" dt="2021-05-24T12:25:42.211" v="419" actId="478"/>
           <ac:picMkLst>
             <pc:docMk/>
             <pc:sldMk cId="1732367581" sldId="269"/>
@@ -4588,10 +4596,10 @@
       </p:grpSpPr>
       <p:pic>
         <p:nvPicPr>
-          <p:cNvPr id="7" name="Picture 6">
+          <p:cNvPr id="3" name="Picture 2">
             <a:extLst>
               <a:ext uri="{FF2B5EF4-FFF2-40B4-BE49-F238E27FC236}">
-                <a16:creationId xmlns:a16="http://schemas.microsoft.com/office/drawing/2014/main" id="{06301D82-0618-49F2-A8BF-E71B820E9596}"/>
+                <a16:creationId xmlns:a16="http://schemas.microsoft.com/office/drawing/2014/main" id="{48CB113C-0D00-4AD4-A64A-DA6ED603B18E}"/>
               </a:ext>
             </a:extLst>
           </p:cNvPr>
@@ -4614,8 +4622,8 @@
         </p:blipFill>
         <p:spPr>
           <a:xfrm>
-            <a:off x="142043" y="142043"/>
-            <a:ext cx="11913834" cy="6125592"/>
+            <a:off x="62144" y="98208"/>
+            <a:ext cx="12020365" cy="6217699"/>
           </a:xfrm>
           <a:prstGeom prst="rect">
             <a:avLst/>
